--- a/slides/FastMDAnalysis_benchmarks_ubiquitin99_500.pptx
+++ b/slides/FastMDAnalysis_benchmarks_ubiquitin99_500.pptx
@@ -17,7 +17,6 @@
     <p:sldId id="265" r:id="rId16"/>
     <p:sldId id="266" r:id="rId17"/>
     <p:sldId id="267" r:id="rId18"/>
-    <p:sldId id="268" r:id="rId19"/>
   </p:sldIdLst>
   <p:sldSz cx="9144000" cy="6858000" type="screen4x3"/>
   <p:notesSz cx="6858000" cy="9144000"/>
@@ -3463,180 +3462,6 @@
         <p:nvPr/>
       </p:nvGrpSpPr>
       <p:grpSpPr/>
-      <p:pic>
-        <p:nvPicPr>
-          <p:cNvPr id="2" name="Picture 1" descr="orchestrator_single_run_runtime.png"/>
-          <p:cNvPicPr>
-            <a:picLocks noChangeAspect="1"/>
-          </p:cNvPicPr>
-          <p:nvPr/>
-        </p:nvPicPr>
-        <p:blipFill>
-          <a:blip r:embed="rId2"/>
-          <a:stretch>
-            <a:fillRect/>
-          </a:stretch>
-        </p:blipFill>
-        <p:spPr>
-          <a:xfrm>
-            <a:off x="457200" y="1005840"/>
-            <a:ext cx="3931920" cy="2486361"/>
-          </a:xfrm>
-          <a:prstGeom prst="rect">
-            <a:avLst/>
-          </a:prstGeom>
-        </p:spPr>
-      </p:pic>
-      <p:pic>
-        <p:nvPicPr>
-          <p:cNvPr id="3" name="Picture 2" descr="orchestrator_single_run_memory.png"/>
-          <p:cNvPicPr>
-            <a:picLocks noChangeAspect="1"/>
-          </p:cNvPicPr>
-          <p:nvPr/>
-        </p:nvPicPr>
-        <p:blipFill>
-          <a:blip r:embed="rId3"/>
-          <a:stretch>
-            <a:fillRect/>
-          </a:stretch>
-        </p:blipFill>
-        <p:spPr>
-          <a:xfrm>
-            <a:off x="4572000" y="1005840"/>
-            <a:ext cx="3931920" cy="2475440"/>
-          </a:xfrm>
-          <a:prstGeom prst="rect">
-            <a:avLst/>
-          </a:prstGeom>
-        </p:spPr>
-      </p:pic>
-      <p:pic>
-        <p:nvPicPr>
-          <p:cNvPr id="4" name="Picture 3" descr="orchestrator_single_run_analysis_breakdown.png"/>
-          <p:cNvPicPr>
-            <a:picLocks noChangeAspect="1"/>
-          </p:cNvPicPr>
-          <p:nvPr/>
-        </p:nvPicPr>
-        <p:blipFill>
-          <a:blip r:embed="rId4"/>
-          <a:stretch>
-            <a:fillRect/>
-          </a:stretch>
-        </p:blipFill>
-        <p:spPr>
-          <a:xfrm>
-            <a:off x="457200" y="4480560"/>
-            <a:ext cx="3931920" cy="2450327"/>
-          </a:xfrm>
-          <a:prstGeom prst="rect">
-            <a:avLst/>
-          </a:prstGeom>
-        </p:spPr>
-      </p:pic>
-      <p:pic>
-        <p:nvPicPr>
-          <p:cNvPr id="5" name="Picture 4" descr="orchestrator_single_run_loc.png"/>
-          <p:cNvPicPr>
-            <a:picLocks noChangeAspect="1"/>
-          </p:cNvPicPr>
-          <p:nvPr/>
-        </p:nvPicPr>
-        <p:blipFill>
-          <a:blip r:embed="rId5"/>
-          <a:stretch>
-            <a:fillRect/>
-          </a:stretch>
-        </p:blipFill>
-        <p:spPr>
-          <a:xfrm>
-            <a:off x="4572000" y="4480560"/>
-            <a:ext cx="3931920" cy="2486361"/>
-          </a:xfrm>
-          <a:prstGeom prst="rect">
-            <a:avLst/>
-          </a:prstGeom>
-        </p:spPr>
-      </p:pic>
-      <p:sp>
-        <p:nvSpPr>
-          <p:cNvPr id="6" name="TextBox 5"/>
-          <p:cNvSpPr txBox="1"/>
-          <p:nvPr/>
-        </p:nvSpPr>
-        <p:spPr>
-          <a:xfrm>
-            <a:off x="457200" y="274320"/>
-            <a:ext cx="8229600" cy="548640"/>
-          </a:xfrm>
-          <a:prstGeom prst="rect">
-            <a:avLst/>
-          </a:prstGeom>
-          <a:noFill/>
-        </p:spPr>
-        <p:txBody>
-          <a:bodyPr wrap="none">
-            <a:spAutoFit/>
-          </a:bodyPr>
-          <a:lstStyle/>
-          <a:p>
-            <a:r>
-              <a:rPr sz="2400" b="1"/>
-              <a:t>Single-run vs aggregated FastMDAnalysis</a:t>
-            </a:r>
-          </a:p>
-        </p:txBody>
-      </p:sp>
-      <p:sp>
-        <p:nvSpPr>
-          <p:cNvPr id="7" name="TextBox 6"/>
-          <p:cNvSpPr txBox="1"/>
-          <p:nvPr/>
-        </p:nvSpPr>
-        <p:spPr>
-          <a:xfrm>
-            <a:off x="457200" y="6400800"/>
-            <a:ext cx="8229600" cy="914400"/>
-          </a:xfrm>
-          <a:prstGeom prst="rect">
-            <a:avLst/>
-          </a:prstGeom>
-          <a:noFill/>
-        </p:spPr>
-        <p:txBody>
-          <a:bodyPr wrap="none">
-            <a:spAutoFit/>
-          </a:bodyPr>
-          <a:lstStyle/>
-          <a:p>
-            <a:pPr>
-              <a:defRPr sz="1200" i="1"/>
-            </a:pPr>
-            <a:r>
-              <a:t>Aggregated bars sum the computation, plotting, and overhead from individual analyze runs. Single-run bars reflect the orchestrated analyze(...) benchmark metrics for those same slices. Bottom-left chart breaks down runtime per analysis for the single run (slides counted as plotting).</a:t>
-            </a:r>
-          </a:p>
-        </p:txBody>
-      </p:sp>
-    </p:spTree>
-  </p:cSld>
-  <p:clrMapOvr>
-    <a:masterClrMapping/>
-  </p:clrMapOvr>
-</p:sld>
-</file>
-
-<file path=ppt/slides/slide13.xml><?xml version="1.0" encoding="utf-8"?>
-<p:sld xmlns:a="http://schemas.openxmlformats.org/drawingml/2006/main" xmlns:p="http://schemas.openxmlformats.org/presentationml/2006/main" xmlns:r="http://schemas.openxmlformats.org/officeDocument/2006/relationships">
-  <p:cSld>
-    <p:spTree>
-      <p:nvGrpSpPr>
-        <p:cNvPr id="1" name=""/>
-        <p:cNvGrpSpPr/>
-        <p:nvPr/>
-      </p:nvGrpSpPr>
-      <p:grpSpPr/>
       <p:sp>
         <p:nvSpPr>
           <p:cNvPr id="2" name="TextBox 1"/>
@@ -3693,7 +3518,7 @@
               <a:defRPr sz="1600"/>
             </a:pPr>
             <a:r>
-              <a:t>Snippet footprint overview: FastMDAnalysis 1 calc / 1 plot (2 total) lines, Mdtraj 21 calc / 28 plot (49 total) lines, Mdanalysis 38 calc / 28 plot (66 total) lines.</a:t>
+              <a:t>Snippet footprint overview: FastMDAnalysis 4 calc / 4 plot (8 total) lines, Mdtraj 21 calc / 28 plot (49 total) lines, Mdanalysis 38 calc / 28 plot (66 total) lines.</a:t>
             </a:r>
           </a:p>
           <a:p>
@@ -3701,7 +3526,7 @@
               <a:defRPr sz="1600"/>
             </a:pPr>
             <a:r>
-              <a:t>Runtime overview: FastMDAnalysis 2.55s calc / 12.01s plot (14.55s total), Mdtraj 0.09s calc / 4.55s plot / 0.10s overhead (4.74s total), Mdanalysis 4.99s calc / 4.79s plot / 0.01s overhead (9.78s total).</a:t>
+              <a:t>Runtime overview: FastMDAnalysis 0.84s calc / 4.44s plot / 0.10s overhead (5.38s total), Mdtraj 0.09s calc / 4.46s plot / 0.10s overhead (4.65s total), Mdanalysis 4.93s calc / 4.70s plot / 0.01s overhead (9.65s total).</a:t>
             </a:r>
           </a:p>
           <a:p>
@@ -3709,7 +3534,7 @@
               <a:defRPr sz="1200" i="1"/>
             </a:pPr>
             <a:r>
-              <a:t>Note: FastMDAnalysis timing uses single-line analyze() orchestrator approach. Calc/plot split is estimated using empirically measured ratio from individual benchmarks (17.5% computation, 82.5% plotting/saving), reflecting that matplotlib plotting and data file I/O are relatively expensive operations.</a:t>
+              <a:t>Note: FastMDAnalysis shows single-line analyze() orchestrator with integrated file I/O. Calc/plot split estimated using 17.5%/82.5% ratio from individual benchmarks. Other tools show aggregate with file I/O separated. Memory includes all analyses running together.</a:t>
             </a:r>
           </a:p>
           <a:p>
@@ -3717,7 +3542,7 @@
               <a:defRPr sz="1600"/>
             </a:pPr>
             <a:r>
-              <a:t>Peak memory overview: FastMDAnalysis 127.26 MB calc / 0.00 MB plot (127.26 MB peak), Mdtraj 24.48 MB calc / 25.99 MB plot (41.66 MB peak), Mdanalysis 1.70 MB calc / 27.98 MB plot (27.98 MB peak).</a:t>
+              <a:t>Peak memory overview: FastMDAnalysis 41.22 MB calc / 31.65 MB plot (48.75 MB peak), Mdtraj 24.50 MB calc / 25.99 MB plot (41.66 MB peak), Mdanalysis 1.70 MB calc / 27.97 MB plot (27.97 MB peak).</a:t>
             </a:r>
           </a:p>
           <a:p>
@@ -3992,30 +3817,6 @@
           </a:prstGeom>
         </p:spPr>
       </p:pic>
-      <p:pic>
-        <p:nvPicPr>
-          <p:cNvPr id="6" name="Picture 5" descr="orchestrator_loc_advantage.png"/>
-          <p:cNvPicPr>
-            <a:picLocks noChangeAspect="1"/>
-          </p:cNvPicPr>
-          <p:nvPr/>
-        </p:nvPicPr>
-        <p:blipFill>
-          <a:blip r:embed="rId5"/>
-          <a:stretch>
-            <a:fillRect/>
-          </a:stretch>
-        </p:blipFill>
-        <p:spPr>
-          <a:xfrm>
-            <a:off x="4572000" y="3840480"/>
-            <a:ext cx="3657600" cy="1787286"/>
-          </a:xfrm>
-          <a:prstGeom prst="rect">
-            <a:avLst/>
-          </a:prstGeom>
-        </p:spPr>
-      </p:pic>
     </p:spTree>
   </p:cSld>
   <p:clrMapOvr>
@@ -4864,7 +4665,7 @@
         <p:spPr>
           <a:xfrm>
             <a:off x="4572000" y="1097280"/>
-            <a:ext cx="3657600" cy="2172393"/>
+            <a:ext cx="3657600" cy="2133600"/>
           </a:xfrm>
           <a:prstGeom prst="rect">
             <a:avLst/>

--- a/slides/FastMDAnalysis_benchmarks_ubiquitin99_500.pptx
+++ b/slides/FastMDAnalysis_benchmarks_ubiquitin99_500.pptx
@@ -17,6 +17,7 @@
     <p:sldId id="265" r:id="rId16"/>
     <p:sldId id="266" r:id="rId17"/>
     <p:sldId id="267" r:id="rId18"/>
+    <p:sldId id="268" r:id="rId19"/>
   </p:sldIdLst>
   <p:sldSz cx="9144000" cy="6858000" type="screen4x3"/>
   <p:notesSz cx="6858000" cy="9144000"/>
@@ -3462,6 +3463,180 @@
         <p:nvPr/>
       </p:nvGrpSpPr>
       <p:grpSpPr/>
+      <p:pic>
+        <p:nvPicPr>
+          <p:cNvPr id="2" name="Picture 1" descr="orchestrator_single_run_runtime.png"/>
+          <p:cNvPicPr>
+            <a:picLocks noChangeAspect="1"/>
+          </p:cNvPicPr>
+          <p:nvPr/>
+        </p:nvPicPr>
+        <p:blipFill>
+          <a:blip r:embed="rId2"/>
+          <a:stretch>
+            <a:fillRect/>
+          </a:stretch>
+        </p:blipFill>
+        <p:spPr>
+          <a:xfrm>
+            <a:off x="457200" y="1005840"/>
+            <a:ext cx="3931920" cy="2486361"/>
+          </a:xfrm>
+          <a:prstGeom prst="rect">
+            <a:avLst/>
+          </a:prstGeom>
+        </p:spPr>
+      </p:pic>
+      <p:pic>
+        <p:nvPicPr>
+          <p:cNvPr id="3" name="Picture 2" descr="orchestrator_single_run_memory.png"/>
+          <p:cNvPicPr>
+            <a:picLocks noChangeAspect="1"/>
+          </p:cNvPicPr>
+          <p:nvPr/>
+        </p:nvPicPr>
+        <p:blipFill>
+          <a:blip r:embed="rId3"/>
+          <a:stretch>
+            <a:fillRect/>
+          </a:stretch>
+        </p:blipFill>
+        <p:spPr>
+          <a:xfrm>
+            <a:off x="4572000" y="1005840"/>
+            <a:ext cx="3931920" cy="2486361"/>
+          </a:xfrm>
+          <a:prstGeom prst="rect">
+            <a:avLst/>
+          </a:prstGeom>
+        </p:spPr>
+      </p:pic>
+      <p:pic>
+        <p:nvPicPr>
+          <p:cNvPr id="4" name="Picture 3" descr="orchestrator_single_run_analysis_breakdown.png"/>
+          <p:cNvPicPr>
+            <a:picLocks noChangeAspect="1"/>
+          </p:cNvPicPr>
+          <p:nvPr/>
+        </p:nvPicPr>
+        <p:blipFill>
+          <a:blip r:embed="rId4"/>
+          <a:stretch>
+            <a:fillRect/>
+          </a:stretch>
+        </p:blipFill>
+        <p:spPr>
+          <a:xfrm>
+            <a:off x="457200" y="4480560"/>
+            <a:ext cx="3931920" cy="2450327"/>
+          </a:xfrm>
+          <a:prstGeom prst="rect">
+            <a:avLst/>
+          </a:prstGeom>
+        </p:spPr>
+      </p:pic>
+      <p:pic>
+        <p:nvPicPr>
+          <p:cNvPr id="5" name="Picture 4" descr="orchestrator_single_run_loc.png"/>
+          <p:cNvPicPr>
+            <a:picLocks noChangeAspect="1"/>
+          </p:cNvPicPr>
+          <p:nvPr/>
+        </p:nvPicPr>
+        <p:blipFill>
+          <a:blip r:embed="rId5"/>
+          <a:stretch>
+            <a:fillRect/>
+          </a:stretch>
+        </p:blipFill>
+        <p:spPr>
+          <a:xfrm>
+            <a:off x="4572000" y="4480560"/>
+            <a:ext cx="3931920" cy="2486361"/>
+          </a:xfrm>
+          <a:prstGeom prst="rect">
+            <a:avLst/>
+          </a:prstGeom>
+        </p:spPr>
+      </p:pic>
+      <p:sp>
+        <p:nvSpPr>
+          <p:cNvPr id="6" name="TextBox 5"/>
+          <p:cNvSpPr txBox="1"/>
+          <p:nvPr/>
+        </p:nvSpPr>
+        <p:spPr>
+          <a:xfrm>
+            <a:off x="457200" y="274320"/>
+            <a:ext cx="8229600" cy="548640"/>
+          </a:xfrm>
+          <a:prstGeom prst="rect">
+            <a:avLst/>
+          </a:prstGeom>
+          <a:noFill/>
+        </p:spPr>
+        <p:txBody>
+          <a:bodyPr wrap="none">
+            <a:spAutoFit/>
+          </a:bodyPr>
+          <a:lstStyle/>
+          <a:p>
+            <a:r>
+              <a:rPr sz="2400" b="1"/>
+              <a:t>Single-run vs aggregated FastMDAnalysis</a:t>
+            </a:r>
+          </a:p>
+        </p:txBody>
+      </p:sp>
+      <p:sp>
+        <p:nvSpPr>
+          <p:cNvPr id="7" name="TextBox 6"/>
+          <p:cNvSpPr txBox="1"/>
+          <p:nvPr/>
+        </p:nvSpPr>
+        <p:spPr>
+          <a:xfrm>
+            <a:off x="457200" y="6400800"/>
+            <a:ext cx="8229600" cy="914400"/>
+          </a:xfrm>
+          <a:prstGeom prst="rect">
+            <a:avLst/>
+          </a:prstGeom>
+          <a:noFill/>
+        </p:spPr>
+        <p:txBody>
+          <a:bodyPr wrap="none">
+            <a:spAutoFit/>
+          </a:bodyPr>
+          <a:lstStyle/>
+          <a:p>
+            <a:pPr>
+              <a:defRPr sz="1200" i="1"/>
+            </a:pPr>
+            <a:r>
+              <a:t>Aggregated bars sum the computation, plotting, and overhead from individual analyze runs. Single-run bars reflect the orchestrated analyze(...) benchmark metrics for those same slices. Bottom-left chart breaks down runtime per analysis for the single run (slides counted as plotting).</a:t>
+            </a:r>
+          </a:p>
+        </p:txBody>
+      </p:sp>
+    </p:spTree>
+  </p:cSld>
+  <p:clrMapOvr>
+    <a:masterClrMapping/>
+  </p:clrMapOvr>
+</p:sld>
+</file>
+
+<file path=ppt/slides/slide13.xml><?xml version="1.0" encoding="utf-8"?>
+<p:sld xmlns:a="http://schemas.openxmlformats.org/drawingml/2006/main" xmlns:p="http://schemas.openxmlformats.org/presentationml/2006/main" xmlns:r="http://schemas.openxmlformats.org/officeDocument/2006/relationships">
+  <p:cSld>
+    <p:spTree>
+      <p:nvGrpSpPr>
+        <p:cNvPr id="1" name=""/>
+        <p:cNvGrpSpPr/>
+        <p:nvPr/>
+      </p:nvGrpSpPr>
+      <p:grpSpPr/>
       <p:sp>
         <p:nvSpPr>
           <p:cNvPr id="2" name="TextBox 1"/>
@@ -3518,7 +3693,7 @@
               <a:defRPr sz="1600"/>
             </a:pPr>
             <a:r>
-              <a:t>Snippet footprint overview: FastMDAnalysis 4 calc / 4 plot (8 total) lines, Mdtraj 21 calc / 28 plot (49 total) lines, Mdanalysis 38 calc / 28 plot (66 total) lines.</a:t>
+              <a:t>Snippet footprint overview: FastMDAnalysis 1 calc / 1 plot (2 total) lines, Mdtraj 21 calc / 28 plot (49 total) lines, Mdanalysis 38 calc / 28 plot (66 total) lines.</a:t>
             </a:r>
           </a:p>
           <a:p>
@@ -3526,7 +3701,7 @@
               <a:defRPr sz="1600"/>
             </a:pPr>
             <a:r>
-              <a:t>Runtime overview: FastMDAnalysis 0.84s calc / 4.44s plot / 0.10s overhead (5.38s total), Mdtraj 0.09s calc / 4.46s plot / 0.10s overhead (4.65s total), Mdanalysis 4.93s calc / 4.70s plot / 0.01s overhead (9.65s total).</a:t>
+              <a:t>Runtime overview: FastMDAnalysis 2.47s calc / 11.66s plot (14.14s total), Mdtraj 0.09s calc / 4.45s plot / 0.10s overhead (4.64s total), Mdanalysis 4.90s calc / 4.70s plot / 0.01s overhead (9.61s total).</a:t>
             </a:r>
           </a:p>
           <a:p>
@@ -3542,7 +3717,7 @@
               <a:defRPr sz="1600"/>
             </a:pPr>
             <a:r>
-              <a:t>Peak memory overview: FastMDAnalysis 41.22 MB calc / 31.65 MB plot (48.75 MB peak), Mdtraj 24.50 MB calc / 25.99 MB plot (41.66 MB peak), Mdanalysis 1.70 MB calc / 27.97 MB plot (27.97 MB peak).</a:t>
+              <a:t>Peak memory overview: FastMDAnalysis 8.37 MB calc / 39.47 MB plot (47.84 MB peak), Mdtraj 24.50 MB calc / 25.99 MB plot (41.65 MB peak), Mdanalysis 1.70 MB calc / 27.96 MB plot (27.96 MB peak).</a:t>
             </a:r>
           </a:p>
           <a:p>
@@ -3811,6 +3986,30 @@
           <a:xfrm>
             <a:off x="457200" y="3840480"/>
             <a:ext cx="3657600" cy="2181986"/>
+          </a:xfrm>
+          <a:prstGeom prst="rect">
+            <a:avLst/>
+          </a:prstGeom>
+        </p:spPr>
+      </p:pic>
+      <p:pic>
+        <p:nvPicPr>
+          <p:cNvPr id="6" name="Picture 5" descr="orchestrator_loc_advantage.png"/>
+          <p:cNvPicPr>
+            <a:picLocks noChangeAspect="1"/>
+          </p:cNvPicPr>
+          <p:nvPr/>
+        </p:nvPicPr>
+        <p:blipFill>
+          <a:blip r:embed="rId5"/>
+          <a:stretch>
+            <a:fillRect/>
+          </a:stretch>
+        </p:blipFill>
+        <p:spPr>
+          <a:xfrm>
+            <a:off x="4572000" y="3840480"/>
+            <a:ext cx="3657600" cy="1787286"/>
           </a:xfrm>
           <a:prstGeom prst="rect">
             <a:avLst/>

--- a/slides/FastMDAnalysis_benchmarks_ubiquitin99_500.pptx
+++ b/slides/FastMDAnalysis_benchmarks_ubiquitin99_500.pptx
@@ -3701,7 +3701,7 @@
               <a:defRPr sz="1600"/>
             </a:pPr>
             <a:r>
-              <a:t>Runtime overview: FastMDAnalysis 2.47s calc / 11.66s plot (14.14s total), Mdtraj 0.09s calc / 4.45s plot / 0.10s overhead (4.64s total), Mdanalysis 4.90s calc / 4.70s plot / 0.01s overhead (9.61s total).</a:t>
+              <a:t>Runtime overview: FastMDAnalysis 7.29s calc / 7.29s plot (14.58s total), Mdtraj 0.10s calc / 4.56s plot / 0.10s overhead (4.76s total), Mdanalysis 4.99s calc / 4.78s plot / 0.01s overhead (9.77s total).</a:t>
             </a:r>
           </a:p>
           <a:p>
@@ -3717,7 +3717,7 @@
               <a:defRPr sz="1600"/>
             </a:pPr>
             <a:r>
-              <a:t>Peak memory overview: FastMDAnalysis 8.37 MB calc / 39.47 MB plot (47.84 MB peak), Mdtraj 24.50 MB calc / 25.99 MB plot (41.65 MB peak), Mdanalysis 1.70 MB calc / 27.96 MB plot (27.96 MB peak).</a:t>
+              <a:t>Peak memory overview: FastMDAnalysis 24.07 MB calc / 24.07 MB plot (48.14 MB peak), Mdtraj 24.39 MB calc / 26.13 MB plot (41.79 MB peak), Mdanalysis 1.70 MB calc / 28.22 MB plot (28.22 MB peak).</a:t>
             </a:r>
           </a:p>
           <a:p>
@@ -3992,30 +3992,6 @@
           </a:prstGeom>
         </p:spPr>
       </p:pic>
-      <p:pic>
-        <p:nvPicPr>
-          <p:cNvPr id="6" name="Picture 5" descr="orchestrator_loc_advantage.png"/>
-          <p:cNvPicPr>
-            <a:picLocks noChangeAspect="1"/>
-          </p:cNvPicPr>
-          <p:nvPr/>
-        </p:nvPicPr>
-        <p:blipFill>
-          <a:blip r:embed="rId5"/>
-          <a:stretch>
-            <a:fillRect/>
-          </a:stretch>
-        </p:blipFill>
-        <p:spPr>
-          <a:xfrm>
-            <a:off x="4572000" y="3840480"/>
-            <a:ext cx="3657600" cy="1787286"/>
-          </a:xfrm>
-          <a:prstGeom prst="rect">
-            <a:avLst/>
-          </a:prstGeom>
-        </p:spPr>
-      </p:pic>
     </p:spTree>
   </p:cSld>
   <p:clrMapOvr>
@@ -4840,7 +4816,7 @@
         <p:spPr>
           <a:xfrm>
             <a:off x="457200" y="1097280"/>
-            <a:ext cx="3657600" cy="2048256"/>
+            <a:ext cx="3657600" cy="2088839"/>
           </a:xfrm>
           <a:prstGeom prst="rect">
             <a:avLst/>

--- a/slides/FastMDAnalysis_benchmarks_ubiquitin99_500.pptx
+++ b/slides/FastMDAnalysis_benchmarks_ubiquitin99_500.pptx
@@ -3669,7 +3669,7 @@
               <a:defRPr sz="1600"/>
             </a:pPr>
             <a:r>
-              <a:t>FastMDAnalysis: 6 modules, 11 functions, 0 external imports, 35 runs, 35 successful, 0 exceptions.</a:t>
+              <a:t>FastMDAnalysis: 6 modules, 11 functions, 0 external imports, 12 runs, 12 successful, 0 exceptions.</a:t>
             </a:r>
           </a:p>
           <a:p>
@@ -3677,7 +3677,7 @@
               <a:defRPr sz="1600"/>
             </a:pPr>
             <a:r>
-              <a:t>Mdtraj: 4 modules, 10 functions, 3 external imports, 35 runs, 35 successful, 0 exceptions.</a:t>
+              <a:t>Mdtraj: 4 modules, 10 functions, 3 external imports, 12 runs, 12 successful, 0 exceptions.</a:t>
             </a:r>
           </a:p>
           <a:p>
@@ -3685,7 +3685,7 @@
               <a:defRPr sz="1600"/>
             </a:pPr>
             <a:r>
-              <a:t>Mdanalysis: 5 modules, 10 functions, 3 external imports, 35 runs, 35 successful, 0 exceptions.</a:t>
+              <a:t>Mdanalysis: 5 modules, 10 functions, 3 external imports, 12 runs, 12 successful, 0 exceptions.</a:t>
             </a:r>
           </a:p>
           <a:p>
@@ -3701,7 +3701,7 @@
               <a:defRPr sz="1600"/>
             </a:pPr>
             <a:r>
-              <a:t>Runtime overview: FastMDAnalysis 7.29s calc / 7.29s plot (14.58s total), Mdtraj 0.10s calc / 4.56s plot / 0.10s overhead (4.76s total), Mdanalysis 4.99s calc / 4.78s plot / 0.01s overhead (9.77s total).</a:t>
+              <a:t>Runtime overview: FastMDAnalysis 14.82s calc / 0.00s plot / 0.00s overhead (14.82s total), Mdtraj 0.09s calc / 4.54s plot / 0.10s overhead (4.73s total), Mdanalysis 4.93s calc / 4.71s plot / 0.01s overhead (9.65s total).</a:t>
             </a:r>
           </a:p>
           <a:p>
@@ -3717,7 +3717,7 @@
               <a:defRPr sz="1600"/>
             </a:pPr>
             <a:r>
-              <a:t>Peak memory overview: FastMDAnalysis 24.07 MB calc / 24.07 MB plot (48.14 MB peak), Mdtraj 24.39 MB calc / 26.13 MB plot (41.79 MB peak), Mdanalysis 1.70 MB calc / 28.22 MB plot (28.22 MB peak).</a:t>
+              <a:t>Peak memory overview: FastMDAnalysis 47.68 MB calc / 0.00 MB plot (47.68 MB peak), Mdtraj 24.49 MB calc / 25.97 MB plot (41.63 MB peak), Mdanalysis 1.73 MB calc / 28.00 MB plot (28.00 MB peak).</a:t>
             </a:r>
           </a:p>
           <a:p>
@@ -4816,7 +4816,7 @@
         <p:spPr>
           <a:xfrm>
             <a:off x="457200" y="1097280"/>
-            <a:ext cx="3657600" cy="2088839"/>
+            <a:ext cx="3657600" cy="2048256"/>
           </a:xfrm>
           <a:prstGeom prst="rect">
             <a:avLst/>

--- a/slides/FastMDAnalysis_benchmarks_ubiquitin99_500.pptx
+++ b/slides/FastMDAnalysis_benchmarks_ubiquitin99_500.pptx
@@ -3701,7 +3701,7 @@
               <a:defRPr sz="1600"/>
             </a:pPr>
             <a:r>
-              <a:t>Runtime overview: FastMDAnalysis 14.82s calc / 0.00s plot / 0.00s overhead (14.82s total), Mdtraj 0.09s calc / 4.54s plot / 0.10s overhead (4.73s total), Mdanalysis 4.93s calc / 4.71s plot / 0.01s overhead (9.65s total).</a:t>
+              <a:t>Runtime overview: FastMDAnalysis 14.23s calc / 0.00s plot / 0.00s overhead (14.23s total), Mdtraj 0.15s calc / 4.55s plot / 0.10s overhead (4.81s total), Mdanalysis 5.32s calc / 4.78s plot / 0.01s overhead (10.11s total).</a:t>
             </a:r>
           </a:p>
           <a:p>
@@ -3717,7 +3717,7 @@
               <a:defRPr sz="1600"/>
             </a:pPr>
             <a:r>
-              <a:t>Peak memory overview: FastMDAnalysis 47.68 MB calc / 0.00 MB plot (47.68 MB peak), Mdtraj 24.49 MB calc / 25.97 MB plot (41.63 MB peak), Mdanalysis 1.73 MB calc / 28.00 MB plot (28.00 MB peak).</a:t>
+              <a:t>Peak memory overview: FastMDAnalysis 47.65 MB calc / 0.00 MB plot (47.65 MB peak), Mdtraj 24.61 MB calc / 26.69 MB plot (42.32 MB peak), Mdanalysis 2.07 MB calc / 28.30 MB plot (28.30 MB peak).</a:t>
             </a:r>
           </a:p>
           <a:p>
@@ -4254,7 +4254,7 @@
         <p:spPr>
           <a:xfrm>
             <a:off x="4572000" y="1097280"/>
-            <a:ext cx="3657600" cy="2062398"/>
+            <a:ext cx="3657600" cy="2096168"/>
           </a:xfrm>
           <a:prstGeom prst="rect">
             <a:avLst/>

--- a/slides/FastMDAnalysis_benchmarks_ubiquitin99_500.pptx
+++ b/slides/FastMDAnalysis_benchmarks_ubiquitin99_500.pptx
@@ -3701,7 +3701,7 @@
               <a:defRPr sz="1600"/>
             </a:pPr>
             <a:r>
-              <a:t>Runtime overview: FastMDAnalysis 14.23s calc / 0.00s plot / 0.00s overhead (14.23s total), Mdtraj 0.15s calc / 4.55s plot / 0.10s overhead (4.81s total), Mdanalysis 5.32s calc / 4.78s plot / 0.01s overhead (10.11s total).</a:t>
+              <a:t>Runtime overview: FastMDAnalysis 14.21s calc / 0.00s plot / 0.00s overhead (14.21s total), Mdtraj 0.16s calc / 4.63s plot / 0.10s overhead (4.88s total), Mdanalysis 5.34s calc / 4.85s plot / 0.01s overhead (10.20s total).</a:t>
             </a:r>
           </a:p>
           <a:p>
@@ -3717,7 +3717,7 @@
               <a:defRPr sz="1600"/>
             </a:pPr>
             <a:r>
-              <a:t>Peak memory overview: FastMDAnalysis 47.65 MB calc / 0.00 MB plot (47.65 MB peak), Mdtraj 24.61 MB calc / 26.69 MB plot (42.32 MB peak), Mdanalysis 2.07 MB calc / 28.30 MB plot (28.30 MB peak).</a:t>
+              <a:t>Peak memory overview: FastMDAnalysis 47.65 MB calc / 0.00 MB plot (47.65 MB peak), Mdtraj 24.62 MB calc / 26.68 MB plot (42.31 MB peak), Mdanalysis 2.07 MB calc / 28.29 MB plot (28.29 MB peak).</a:t>
             </a:r>
           </a:p>
           <a:p>

--- a/slides/FastMDAnalysis_benchmarks_ubiquitin99_500.pptx
+++ b/slides/FastMDAnalysis_benchmarks_ubiquitin99_500.pptx
@@ -3480,7 +3480,7 @@
         <p:spPr>
           <a:xfrm>
             <a:off x="457200" y="1005840"/>
-            <a:ext cx="3931920" cy="2486361"/>
+            <a:ext cx="3931920" cy="2550114"/>
           </a:xfrm>
           <a:prstGeom prst="rect">
             <a:avLst/>
@@ -3701,7 +3701,7 @@
               <a:defRPr sz="1600"/>
             </a:pPr>
             <a:r>
-              <a:t>Runtime overview: FastMDAnalysis 14.21s calc / 0.00s plot / 0.00s overhead (14.21s total), Mdtraj 0.16s calc / 4.63s plot / 0.10s overhead (4.88s total), Mdanalysis 5.34s calc / 4.85s plot / 0.01s overhead (10.20s total).</a:t>
+              <a:t>Runtime overview: FastMDAnalysis 8.45s calc / 4.59s plot / 0.06s overhead (13.11s total), Mdtraj 0.16s calc / 4.68s plot / 0.10s overhead (4.94s total), Mdanalysis 5.39s calc / 4.86s plot / 0.01s overhead (10.26s total).</a:t>
             </a:r>
           </a:p>
           <a:p>
@@ -3717,7 +3717,7 @@
               <a:defRPr sz="1600"/>
             </a:pPr>
             <a:r>
-              <a:t>Peak memory overview: FastMDAnalysis 47.65 MB calc / 0.00 MB plot (47.65 MB peak), Mdtraj 24.62 MB calc / 26.68 MB plot (42.31 MB peak), Mdanalysis 2.07 MB calc / 28.29 MB plot (28.29 MB peak).</a:t>
+              <a:t>Peak memory overview: FastMDAnalysis 14.23 MB calc / 0.00 MB plot (14.23 MB peak), Mdtraj 24.62 MB calc / 26.77 MB plot (42.41 MB peak), Mdanalysis 2.07 MB calc / 27.83 MB plot (27.83 MB peak).</a:t>
             </a:r>
           </a:p>
           <a:p>

--- a/slides/FastMDAnalysis_benchmarks_ubiquitin99_500.pptx
+++ b/slides/FastMDAnalysis_benchmarks_ubiquitin99_500.pptx
@@ -3701,7 +3701,7 @@
               <a:defRPr sz="1600"/>
             </a:pPr>
             <a:r>
-              <a:t>Runtime overview: FastMDAnalysis 8.45s calc / 4.59s plot / 0.06s overhead (13.11s total), Mdtraj 0.16s calc / 4.68s plot / 0.10s overhead (4.94s total), Mdanalysis 5.39s calc / 4.86s plot / 0.01s overhead (10.26s total).</a:t>
+              <a:t>Runtime overview: FastMDAnalysis 7.94s calc / 4.52s plot / 0.06s overhead (12.52s total), Mdtraj 0.15s calc / 4.51s plot / 0.10s overhead (4.76s total), Mdanalysis 5.32s calc / 4.73s plot / 0.01s overhead (10.05s total).</a:t>
             </a:r>
           </a:p>
           <a:p>
@@ -3717,7 +3717,7 @@
               <a:defRPr sz="1600"/>
             </a:pPr>
             <a:r>
-              <a:t>Peak memory overview: FastMDAnalysis 14.23 MB calc / 0.00 MB plot (14.23 MB peak), Mdtraj 24.62 MB calc / 26.77 MB plot (42.41 MB peak), Mdanalysis 2.07 MB calc / 27.83 MB plot (27.83 MB peak).</a:t>
+              <a:t>Peak memory overview: FastMDAnalysis 13.76 MB calc / 0.00 MB plot (13.76 MB peak), Mdtraj 24.61 MB calc / 26.69 MB plot (42.32 MB peak), Mdanalysis 2.07 MB calc / 28.29 MB plot (28.29 MB peak).</a:t>
             </a:r>
           </a:p>
           <a:p>

--- a/slides/FastMDAnalysis_benchmarks_ubiquitin99_500.pptx
+++ b/slides/FastMDAnalysis_benchmarks_ubiquitin99_500.pptx
@@ -3701,7 +3701,7 @@
               <a:defRPr sz="1600"/>
             </a:pPr>
             <a:r>
-              <a:t>Runtime overview: FastMDAnalysis 7.94s calc / 4.52s plot / 0.06s overhead (12.52s total), Mdtraj 0.15s calc / 4.51s plot / 0.10s overhead (4.76s total), Mdanalysis 5.32s calc / 4.73s plot / 0.01s overhead (10.05s total).</a:t>
+              <a:t>Runtime overview: FastMDAnalysis 8.11s calc / 4.53s plot / 0.06s overhead (12.70s total), Mdtraj 0.16s calc / 4.56s plot / 0.10s overhead (4.82s total), Mdanalysis 5.35s calc / 4.77s plot / 0.01s overhead (10.13s total).</a:t>
             </a:r>
           </a:p>
           <a:p>
@@ -3717,7 +3717,7 @@
               <a:defRPr sz="1600"/>
             </a:pPr>
             <a:r>
-              <a:t>Peak memory overview: FastMDAnalysis 13.76 MB calc / 0.00 MB plot (13.76 MB peak), Mdtraj 24.61 MB calc / 26.69 MB plot (42.32 MB peak), Mdanalysis 2.07 MB calc / 28.29 MB plot (28.29 MB peak).</a:t>
+              <a:t>Peak memory overview: FastMDAnalysis 14.23 MB calc / 0.00 MB plot (14.23 MB peak), Mdtraj 24.62 MB calc / 26.77 MB plot (42.41 MB peak), Mdanalysis 2.07 MB calc / 27.83 MB plot (27.83 MB peak).</a:t>
             </a:r>
           </a:p>
           <a:p>

--- a/slides/FastMDAnalysis_benchmarks_ubiquitin99_500.pptx
+++ b/slides/FastMDAnalysis_benchmarks_ubiquitin99_500.pptx
@@ -3414,7 +3414,7 @@
         <p:spPr>
           <a:xfrm>
             <a:off x="4572000" y="1097280"/>
-            <a:ext cx="3657600" cy="2151529"/>
+            <a:ext cx="3657600" cy="2177672"/>
           </a:xfrm>
           <a:prstGeom prst="rect">
             <a:avLst/>
@@ -3701,7 +3701,7 @@
               <a:defRPr sz="1600"/>
             </a:pPr>
             <a:r>
-              <a:t>Runtime overview: FastMDAnalysis 8.11s calc / 4.53s plot / 0.06s overhead (12.70s total), Mdtraj 0.16s calc / 4.56s plot / 0.10s overhead (4.82s total), Mdanalysis 5.35s calc / 4.77s plot / 0.01s overhead (10.13s total).</a:t>
+              <a:t>Runtime overview: FastMDAnalysis 7.89s calc / 4.22s plot / 0.05s overhead (12.16s total), Mdtraj 0.15s calc / 4.29s plot / 0.08s overhead (4.53s total), Mdanalysis 4.88s calc / 4.52s plot / 0.01s overhead (9.40s total).</a:t>
             </a:r>
           </a:p>
           <a:p>
@@ -3717,7 +3717,7 @@
               <a:defRPr sz="1600"/>
             </a:pPr>
             <a:r>
-              <a:t>Peak memory overview: FastMDAnalysis 14.23 MB calc / 0.00 MB plot (14.23 MB peak), Mdtraj 24.62 MB calc / 26.77 MB plot (42.41 MB peak), Mdanalysis 2.07 MB calc / 27.83 MB plot (27.83 MB peak).</a:t>
+              <a:t>Peak memory overview: FastMDAnalysis 14.23 MB calc / 0.00 MB plot (14.23 MB peak), Mdtraj 24.62 MB calc / 26.76 MB plot (42.40 MB peak), Mdanalysis 2.07 MB calc / 27.81 MB plot (27.81 MB peak).</a:t>
             </a:r>
           </a:p>
           <a:p>
@@ -4840,7 +4840,7 @@
         <p:spPr>
           <a:xfrm>
             <a:off x="4572000" y="1097280"/>
-            <a:ext cx="3657600" cy="2133600"/>
+            <a:ext cx="3657600" cy="2151529"/>
           </a:xfrm>
           <a:prstGeom prst="rect">
             <a:avLst/>

--- a/slides/FastMDAnalysis_benchmarks_ubiquitin99_500.pptx
+++ b/slides/FastMDAnalysis_benchmarks_ubiquitin99_500.pptx
@@ -3414,7 +3414,7 @@
         <p:spPr>
           <a:xfrm>
             <a:off x="4572000" y="1097280"/>
-            <a:ext cx="3657600" cy="2177672"/>
+            <a:ext cx="3657600" cy="2151529"/>
           </a:xfrm>
           <a:prstGeom prst="rect">
             <a:avLst/>
@@ -3701,7 +3701,7 @@
               <a:defRPr sz="1600"/>
             </a:pPr>
             <a:r>
-              <a:t>Runtime overview: FastMDAnalysis 7.89s calc / 4.22s plot / 0.05s overhead (12.16s total), Mdtraj 0.15s calc / 4.29s plot / 0.08s overhead (4.53s total), Mdanalysis 4.88s calc / 4.52s plot / 0.01s overhead (9.40s total).</a:t>
+              <a:t>Runtime overview: FastMDAnalysis 8.51s calc / 4.50s plot / 0.06s overhead (13.07s total), Mdtraj 0.15s calc / 4.63s plot / 0.10s overhead (4.88s total), Mdanalysis 5.36s calc / 4.87s plot / 0.01s overhead (10.24s total).</a:t>
             </a:r>
           </a:p>
           <a:p>
@@ -3717,7 +3717,7 @@
               <a:defRPr sz="1600"/>
             </a:pPr>
             <a:r>
-              <a:t>Peak memory overview: FastMDAnalysis 14.23 MB calc / 0.00 MB plot (14.23 MB peak), Mdtraj 24.62 MB calc / 26.76 MB plot (42.40 MB peak), Mdanalysis 2.07 MB calc / 27.81 MB plot (27.81 MB peak).</a:t>
+              <a:t>Peak memory overview: FastMDAnalysis 29.42 MB calc / 13.74 MB plot (29.42 MB peak), Mdtraj 24.69 MB calc / 26.86 MB plot (42.49 MB peak), Mdanalysis 2.11 MB calc / 28.01 MB plot (28.01 MB peak).</a:t>
             </a:r>
           </a:p>
           <a:p>
@@ -4816,7 +4816,7 @@
         <p:spPr>
           <a:xfrm>
             <a:off x="457200" y="1097280"/>
-            <a:ext cx="3657600" cy="2048256"/>
+            <a:ext cx="3657600" cy="2088839"/>
           </a:xfrm>
           <a:prstGeom prst="rect">
             <a:avLst/>
@@ -4840,7 +4840,7 @@
         <p:spPr>
           <a:xfrm>
             <a:off x="4572000" y="1097280"/>
-            <a:ext cx="3657600" cy="2151529"/>
+            <a:ext cx="3657600" cy="2133600"/>
           </a:xfrm>
           <a:prstGeom prst="rect">
             <a:avLst/>
